--- a/Tutorial/Thema1_Tutorial_Einfuehrung.pptx
+++ b/Tutorial/Thema1_Tutorial_Einfuehrung.pptx
@@ -8,10 +8,10 @@
     <p:sldMasterId id="2147483681" r:id="rId4"/>
   </p:sldMasterIdLst>
   <p:notesMasterIdLst>
-    <p:notesMasterId r:id="rId12"/>
+    <p:notesMasterId r:id="rId13"/>
   </p:notesMasterIdLst>
   <p:handoutMasterIdLst>
-    <p:handoutMasterId r:id="rId13"/>
+    <p:handoutMasterId r:id="rId14"/>
   </p:handoutMasterIdLst>
   <p:sldIdLst>
     <p:sldId id="256" r:id="rId5"/>
@@ -21,6 +21,7 @@
     <p:sldId id="280" r:id="rId9"/>
     <p:sldId id="281" r:id="rId10"/>
     <p:sldId id="277" r:id="rId11"/>
+    <p:sldId id="282" r:id="rId12"/>
   </p:sldIdLst>
   <p:sldSz cx="9144000" cy="6858000" type="screen4x3"/>
   <p:notesSz cx="6858000" cy="9144000"/>
@@ -16410,6 +16411,160 @@
     <p:extLst>
       <p:ext uri="{BB962C8B-B14F-4D97-AF65-F5344CB8AC3E}">
         <p14:creationId xmlns:p14="http://schemas.microsoft.com/office/powerpoint/2010/main" val="245300925"/>
+      </p:ext>
+    </p:extLst>
+  </p:cSld>
+  <p:clrMapOvr>
+    <a:masterClrMapping/>
+  </p:clrMapOvr>
+</p:sld>
+</file>
+
+<file path=ppt/slides/slide8.xml><?xml version="1.0" encoding="utf-8"?>
+<p:sld xmlns:a="http://schemas.openxmlformats.org/drawingml/2006/main" xmlns:r="http://schemas.openxmlformats.org/officeDocument/2006/relationships" xmlns:p="http://schemas.openxmlformats.org/presentationml/2006/main">
+  <p:cSld>
+    <p:spTree>
+      <p:nvGrpSpPr>
+        <p:cNvPr id="1" name=""/>
+        <p:cNvGrpSpPr/>
+        <p:nvPr/>
+      </p:nvGrpSpPr>
+      <p:grpSpPr>
+        <a:xfrm>
+          <a:off x="0" y="0"/>
+          <a:ext cx="0" cy="0"/>
+          <a:chOff x="0" y="0"/>
+          <a:chExt cx="0" cy="0"/>
+        </a:xfrm>
+      </p:grpSpPr>
+      <p:sp>
+        <p:nvSpPr>
+          <p:cNvPr id="2" name="Textplatzhalter 1">
+            <a:extLst>
+              <a:ext uri="{FF2B5EF4-FFF2-40B4-BE49-F238E27FC236}">
+                <a16:creationId xmlns:a16="http://schemas.microsoft.com/office/drawing/2014/main" id="{86E48D6D-6967-4C49-BA26-1C6C6B791B12}"/>
+              </a:ext>
+            </a:extLst>
+          </p:cNvPr>
+          <p:cNvSpPr>
+            <a:spLocks noGrp="1"/>
+          </p:cNvSpPr>
+          <p:nvPr>
+            <p:ph type="body" sz="quarter" idx="15"/>
+          </p:nvPr>
+        </p:nvSpPr>
+        <p:spPr>
+          <a:xfrm>
+            <a:off x="474025" y="1770960"/>
+            <a:ext cx="8298000" cy="3422478"/>
+          </a:xfrm>
+        </p:spPr>
+        <p:txBody>
+          <a:bodyPr anchor="ctr">
+            <a:normAutofit/>
+          </a:bodyPr>
+          <a:lstStyle/>
+          <a:p>
+            <a:pPr algn="ctr"/>
+            <a:r>
+              <a:rPr lang="de-DE" sz="2800" dirty="0"/>
+              <a:t>https://bit.ly/2RSxaks</a:t>
+            </a:r>
+          </a:p>
+        </p:txBody>
+      </p:sp>
+      <p:sp>
+        <p:nvSpPr>
+          <p:cNvPr id="3" name="Titel 2">
+            <a:extLst>
+              <a:ext uri="{FF2B5EF4-FFF2-40B4-BE49-F238E27FC236}">
+                <a16:creationId xmlns:a16="http://schemas.microsoft.com/office/drawing/2014/main" id="{9049DBAB-B952-4143-AC1E-1E8D44E67394}"/>
+              </a:ext>
+            </a:extLst>
+          </p:cNvPr>
+          <p:cNvSpPr>
+            <a:spLocks noGrp="1"/>
+          </p:cNvSpPr>
+          <p:nvPr>
+            <p:ph type="title"/>
+          </p:nvPr>
+        </p:nvSpPr>
+        <p:spPr/>
+        <p:txBody>
+          <a:bodyPr>
+            <a:normAutofit fontScale="90000"/>
+          </a:bodyPr>
+          <a:lstStyle/>
+          <a:p>
+            <a:r>
+              <a:rPr lang="de-DE" dirty="0"/>
+              <a:t>Tutorial Thema 1</a:t>
+            </a:r>
+          </a:p>
+        </p:txBody>
+      </p:sp>
+      <p:sp>
+        <p:nvSpPr>
+          <p:cNvPr id="4" name="Untertitel 3">
+            <a:extLst>
+              <a:ext uri="{FF2B5EF4-FFF2-40B4-BE49-F238E27FC236}">
+                <a16:creationId xmlns:a16="http://schemas.microsoft.com/office/drawing/2014/main" id="{C3A6068E-250F-4630-A864-067719BA7685}"/>
+              </a:ext>
+            </a:extLst>
+          </p:cNvPr>
+          <p:cNvSpPr>
+            <a:spLocks noGrp="1"/>
+          </p:cNvSpPr>
+          <p:nvPr>
+            <p:ph type="subTitle" idx="1"/>
+          </p:nvPr>
+        </p:nvSpPr>
+        <p:spPr/>
+        <p:txBody>
+          <a:bodyPr/>
+          <a:lstStyle/>
+          <a:p>
+            <a:r>
+              <a:rPr lang="de-DE" dirty="0"/>
+              <a:t>Anleitung</a:t>
+            </a:r>
+          </a:p>
+        </p:txBody>
+      </p:sp>
+      <p:sp>
+        <p:nvSpPr>
+          <p:cNvPr id="5" name="Foliennummernplatzhalter 4">
+            <a:extLst>
+              <a:ext uri="{FF2B5EF4-FFF2-40B4-BE49-F238E27FC236}">
+                <a16:creationId xmlns:a16="http://schemas.microsoft.com/office/drawing/2014/main" id="{B21890B5-4426-4785-8B8A-C4B7984745BF}"/>
+              </a:ext>
+            </a:extLst>
+          </p:cNvPr>
+          <p:cNvSpPr>
+            <a:spLocks noGrp="1"/>
+          </p:cNvSpPr>
+          <p:nvPr>
+            <p:ph type="sldNum" sz="quarter" idx="4"/>
+          </p:nvPr>
+        </p:nvSpPr>
+        <p:spPr/>
+        <p:txBody>
+          <a:bodyPr/>
+          <a:lstStyle/>
+          <a:p>
+            <a:fld id="{F777D48D-F22C-624F-9C01-7CDA9A361691}" type="slidenum">
+              <a:rPr lang="de-DE" smtClean="0"/>
+              <a:pPr/>
+              <a:t>8</a:t>
+            </a:fld>
+            <a:endParaRPr lang="de-DE" dirty="0"/>
+          </a:p>
+        </p:txBody>
+      </p:sp>
+    </p:spTree>
+    <p:extLst>
+      <p:ext uri="{BB962C8B-B14F-4D97-AF65-F5344CB8AC3E}">
+        <p14:creationId xmlns:p14="http://schemas.microsoft.com/office/powerpoint/2010/main" val="2943906050"/>
       </p:ext>
     </p:extLst>
   </p:cSld>
